--- a/ProjectDocuments/week2/BaoCaoTuan2.pptx
+++ b/ProjectDocuments/week2/BaoCaoTuan2.pptx
@@ -11,14 +11,13 @@
     <p:sldId id="258" r:id="rId5"/>
     <p:sldId id="259" r:id="rId6"/>
     <p:sldId id="262" r:id="rId7"/>
-    <p:sldId id="269" r:id="rId8"/>
-    <p:sldId id="261" r:id="rId9"/>
-    <p:sldId id="268" r:id="rId10"/>
-    <p:sldId id="263" r:id="rId11"/>
-    <p:sldId id="264" r:id="rId12"/>
-    <p:sldId id="265" r:id="rId13"/>
-    <p:sldId id="267" r:id="rId14"/>
-    <p:sldId id="266" r:id="rId15"/>
+    <p:sldId id="261" r:id="rId8"/>
+    <p:sldId id="268" r:id="rId9"/>
+    <p:sldId id="263" r:id="rId10"/>
+    <p:sldId id="264" r:id="rId11"/>
+    <p:sldId id="265" r:id="rId12"/>
+    <p:sldId id="267" r:id="rId13"/>
+    <p:sldId id="266" r:id="rId14"/>
   </p:sldIdLst>
   <p:sldSz cx="12192000" cy="6858000"/>
   <p:notesSz cx="6858000" cy="9144000"/>
@@ -3199,113 +3198,6 @@
             </a:r>
             <a:r>
               <a:rPr lang="en-US" dirty="0" err="1" smtClean="0"/>
-              <a:t>phòng</a:t>
-            </a:r>
-            <a:r>
-              <a:rPr lang="en-US" dirty="0" smtClean="0"/>
-              <a:t> ban</a:t>
-            </a:r>
-            <a:endParaRPr lang="en-US" dirty="0"/>
-          </a:p>
-        </p:txBody>
-      </p:sp>
-      <p:pic>
-        <p:nvPicPr>
-          <p:cNvPr id="4" name="Content Placeholder 3"/>
-          <p:cNvPicPr>
-            <a:picLocks noGrp="1" noChangeAspect="1"/>
-          </p:cNvPicPr>
-          <p:nvPr>
-            <p:ph idx="1"/>
-          </p:nvPr>
-        </p:nvPicPr>
-        <p:blipFill>
-          <a:blip r:embed="rId2"/>
-          <a:stretch>
-            <a:fillRect/>
-          </a:stretch>
-        </p:blipFill>
-        <p:spPr>
-          <a:xfrm>
-            <a:off x="1633089" y="1825625"/>
-            <a:ext cx="8925821" cy="4351338"/>
-          </a:xfrm>
-          <a:prstGeom prst="rect">
-            <a:avLst/>
-          </a:prstGeom>
-        </p:spPr>
-      </p:pic>
-    </p:spTree>
-    <p:extLst>
-      <p:ext uri="{BB962C8B-B14F-4D97-AF65-F5344CB8AC3E}">
-        <p14:creationId xmlns:p14="http://schemas.microsoft.com/office/powerpoint/2010/main" val="2021675801"/>
-      </p:ext>
-    </p:extLst>
-  </p:cSld>
-  <p:clrMapOvr>
-    <a:masterClrMapping/>
-  </p:clrMapOvr>
-</p:sld>
-</file>
-
-<file path=ppt/slides/slide11.xml><?xml version="1.0" encoding="utf-8"?>
-<p:sld xmlns:a="http://schemas.openxmlformats.org/drawingml/2006/main" xmlns:r="http://schemas.openxmlformats.org/officeDocument/2006/relationships" xmlns:p="http://schemas.openxmlformats.org/presentationml/2006/main">
-  <p:cSld>
-    <p:spTree>
-      <p:nvGrpSpPr>
-        <p:cNvPr id="1" name=""/>
-        <p:cNvGrpSpPr/>
-        <p:nvPr/>
-      </p:nvGrpSpPr>
-      <p:grpSpPr>
-        <a:xfrm>
-          <a:off x="0" y="0"/>
-          <a:ext cx="0" cy="0"/>
-          <a:chOff x="0" y="0"/>
-          <a:chExt cx="0" cy="0"/>
-        </a:xfrm>
-      </p:grpSpPr>
-      <p:sp>
-        <p:nvSpPr>
-          <p:cNvPr id="2" name="Title 1"/>
-          <p:cNvSpPr>
-            <a:spLocks noGrp="1"/>
-          </p:cNvSpPr>
-          <p:nvPr>
-            <p:ph type="title"/>
-          </p:nvPr>
-        </p:nvSpPr>
-        <p:spPr/>
-        <p:txBody>
-          <a:bodyPr/>
-          <a:lstStyle/>
-          <a:p>
-            <a:r>
-              <a:rPr lang="en-US" dirty="0" err="1" smtClean="0"/>
-              <a:t>Màn</a:t>
-            </a:r>
-            <a:r>
-              <a:rPr lang="en-US" dirty="0" smtClean="0"/>
-              <a:t> </a:t>
-            </a:r>
-            <a:r>
-              <a:rPr lang="en-US" dirty="0" err="1" smtClean="0"/>
-              <a:t>quản</a:t>
-            </a:r>
-            <a:r>
-              <a:rPr lang="en-US" dirty="0" smtClean="0"/>
-              <a:t> </a:t>
-            </a:r>
-            <a:r>
-              <a:rPr lang="en-US" dirty="0" err="1" smtClean="0"/>
-              <a:t>lý</a:t>
-            </a:r>
-            <a:r>
-              <a:rPr lang="en-US" dirty="0" smtClean="0"/>
-              <a:t> </a:t>
-            </a:r>
-            <a:r>
-              <a:rPr lang="en-US" dirty="0" err="1" smtClean="0"/>
               <a:t>loại</a:t>
             </a:r>
             <a:r>
@@ -3367,7 +3259,7 @@
 </p:sld>
 </file>
 
-<file path=ppt/slides/slide12.xml><?xml version="1.0" encoding="utf-8"?>
+<file path=ppt/slides/slide11.xml><?xml version="1.0" encoding="utf-8"?>
 <p:sld xmlns:a="http://schemas.openxmlformats.org/drawingml/2006/main" xmlns:r="http://schemas.openxmlformats.org/officeDocument/2006/relationships" xmlns:p="http://schemas.openxmlformats.org/presentationml/2006/main">
   <p:cSld>
     <p:spTree>
@@ -3502,7 +3394,7 @@
 </p:sld>
 </file>
 
-<file path=ppt/slides/slide13.xml><?xml version="1.0" encoding="utf-8"?>
+<file path=ppt/slides/slide12.xml><?xml version="1.0" encoding="utf-8"?>
 <p:sld xmlns:a="http://schemas.openxmlformats.org/drawingml/2006/main" xmlns:r="http://schemas.openxmlformats.org/officeDocument/2006/relationships" xmlns:p="http://schemas.openxmlformats.org/presentationml/2006/main">
   <p:cSld>
     <p:spTree>
@@ -3597,7 +3489,7 @@
 </p:sld>
 </file>
 
-<file path=ppt/slides/slide14.xml><?xml version="1.0" encoding="utf-8"?>
+<file path=ppt/slides/slide13.xml><?xml version="1.0" encoding="utf-8"?>
 <p:sld xmlns:a="http://schemas.openxmlformats.org/drawingml/2006/main" xmlns:r="http://schemas.openxmlformats.org/officeDocument/2006/relationships" xmlns:p="http://schemas.openxmlformats.org/presentationml/2006/main">
   <p:cSld>
     <p:spTree>
@@ -3869,7 +3761,6 @@
               <a:rPr lang="en-US" dirty="0"/>
               <a:t> Admin</a:t>
             </a:r>
-            <a:endParaRPr lang="en-US" dirty="0"/>
           </a:p>
         </p:txBody>
       </p:sp>
@@ -4323,154 +4214,6 @@
           <a:p>
             <a:r>
               <a:rPr lang="en-US" dirty="0" err="1" smtClean="0"/>
-              <a:t>Thiết</a:t>
-            </a:r>
-            <a:r>
-              <a:rPr lang="en-US" dirty="0" smtClean="0"/>
-              <a:t> </a:t>
-            </a:r>
-            <a:r>
-              <a:rPr lang="en-US" dirty="0" err="1" smtClean="0"/>
-              <a:t>kế</a:t>
-            </a:r>
-            <a:r>
-              <a:rPr lang="en-US" dirty="0" smtClean="0"/>
-              <a:t> database</a:t>
-            </a:r>
-            <a:endParaRPr lang="en-US" dirty="0"/>
-          </a:p>
-        </p:txBody>
-      </p:sp>
-      <p:sp>
-        <p:nvSpPr>
-          <p:cNvPr id="3" name="Content Placeholder 2"/>
-          <p:cNvSpPr>
-            <a:spLocks noGrp="1"/>
-          </p:cNvSpPr>
-          <p:nvPr>
-            <p:ph idx="1"/>
-          </p:nvPr>
-        </p:nvSpPr>
-        <p:spPr/>
-        <p:txBody>
-          <a:bodyPr/>
-          <a:lstStyle/>
-          <a:p>
-            <a:r>
-              <a:rPr lang="en-US" dirty="0" smtClean="0"/>
-              <a:t>E </a:t>
-            </a:r>
-            <a:r>
-              <a:rPr lang="en-US" dirty="0" err="1" smtClean="0"/>
-              <a:t>thiết</a:t>
-            </a:r>
-            <a:r>
-              <a:rPr lang="en-US" dirty="0" smtClean="0"/>
-              <a:t> </a:t>
-            </a:r>
-            <a:r>
-              <a:rPr lang="en-US" dirty="0" err="1" smtClean="0"/>
-              <a:t>kế</a:t>
-            </a:r>
-            <a:r>
-              <a:rPr lang="en-US" dirty="0" smtClean="0"/>
-              <a:t> </a:t>
-            </a:r>
-            <a:r>
-              <a:rPr lang="en-US" dirty="0" err="1" smtClean="0"/>
-              <a:t>trong</a:t>
-            </a:r>
-            <a:r>
-              <a:rPr lang="en-US" dirty="0" smtClean="0"/>
-              <a:t> </a:t>
-            </a:r>
-            <a:r>
-              <a:rPr lang="en-US" dirty="0" err="1" smtClean="0"/>
-              <a:t>quá</a:t>
-            </a:r>
-            <a:r>
-              <a:rPr lang="en-US" dirty="0" smtClean="0"/>
-              <a:t> </a:t>
-            </a:r>
-            <a:r>
-              <a:rPr lang="en-US" dirty="0" err="1" smtClean="0"/>
-              <a:t>trình</a:t>
-            </a:r>
-            <a:r>
-              <a:rPr lang="en-US" dirty="0" smtClean="0"/>
-              <a:t> </a:t>
-            </a:r>
-            <a:r>
-              <a:rPr lang="en-US" dirty="0" err="1" smtClean="0"/>
-              <a:t>làm</a:t>
-            </a:r>
-            <a:r>
-              <a:rPr lang="en-US" dirty="0" smtClean="0"/>
-              <a:t> </a:t>
-            </a:r>
-            <a:r>
-              <a:rPr lang="en-US" dirty="0" err="1" smtClean="0"/>
-              <a:t>từng</a:t>
-            </a:r>
-            <a:r>
-              <a:rPr lang="en-US" dirty="0" smtClean="0"/>
-              <a:t> </a:t>
-            </a:r>
-            <a:r>
-              <a:rPr lang="en-US" dirty="0" err="1" smtClean="0"/>
-              <a:t>màn</a:t>
-            </a:r>
-            <a:endParaRPr lang="en-US" dirty="0"/>
-          </a:p>
-        </p:txBody>
-      </p:sp>
-    </p:spTree>
-    <p:extLst>
-      <p:ext uri="{BB962C8B-B14F-4D97-AF65-F5344CB8AC3E}">
-        <p14:creationId xmlns:p14="http://schemas.microsoft.com/office/powerpoint/2010/main" val="2043510766"/>
-      </p:ext>
-    </p:extLst>
-  </p:cSld>
-  <p:clrMapOvr>
-    <a:masterClrMapping/>
-  </p:clrMapOvr>
-</p:sld>
-</file>
-
-<file path=ppt/slides/slide8.xml><?xml version="1.0" encoding="utf-8"?>
-<p:sld xmlns:a="http://schemas.openxmlformats.org/drawingml/2006/main" xmlns:r="http://schemas.openxmlformats.org/officeDocument/2006/relationships" xmlns:p="http://schemas.openxmlformats.org/presentationml/2006/main">
-  <p:cSld>
-    <p:spTree>
-      <p:nvGrpSpPr>
-        <p:cNvPr id="1" name=""/>
-        <p:cNvGrpSpPr/>
-        <p:nvPr/>
-      </p:nvGrpSpPr>
-      <p:grpSpPr>
-        <a:xfrm>
-          <a:off x="0" y="0"/>
-          <a:ext cx="0" cy="0"/>
-          <a:chOff x="0" y="0"/>
-          <a:chExt cx="0" cy="0"/>
-        </a:xfrm>
-      </p:grpSpPr>
-      <p:sp>
-        <p:nvSpPr>
-          <p:cNvPr id="2" name="Title 1"/>
-          <p:cNvSpPr>
-            <a:spLocks noGrp="1"/>
-          </p:cNvSpPr>
-          <p:nvPr>
-            <p:ph type="title"/>
-          </p:nvPr>
-        </p:nvSpPr>
-        <p:spPr/>
-        <p:txBody>
-          <a:bodyPr/>
-          <a:lstStyle/>
-          <a:p>
-            <a:r>
-              <a:rPr lang="en-US" dirty="0" err="1" smtClean="0"/>
               <a:t>Màn</a:t>
             </a:r>
             <a:r>
@@ -4548,7 +4291,7 @@
 </p:sld>
 </file>
 
-<file path=ppt/slides/slide9.xml><?xml version="1.0" encoding="utf-8"?>
+<file path=ppt/slides/slide8.xml><?xml version="1.0" encoding="utf-8"?>
 <p:sld xmlns:a="http://schemas.openxmlformats.org/drawingml/2006/main" xmlns:r="http://schemas.openxmlformats.org/officeDocument/2006/relationships" xmlns:p="http://schemas.openxmlformats.org/presentationml/2006/main">
   <p:cSld>
     <p:spTree>
@@ -4650,6 +4393,113 @@
     <p:extLst>
       <p:ext uri="{BB962C8B-B14F-4D97-AF65-F5344CB8AC3E}">
         <p14:creationId xmlns:p14="http://schemas.microsoft.com/office/powerpoint/2010/main" val="990569337"/>
+      </p:ext>
+    </p:extLst>
+  </p:cSld>
+  <p:clrMapOvr>
+    <a:masterClrMapping/>
+  </p:clrMapOvr>
+</p:sld>
+</file>
+
+<file path=ppt/slides/slide9.xml><?xml version="1.0" encoding="utf-8"?>
+<p:sld xmlns:a="http://schemas.openxmlformats.org/drawingml/2006/main" xmlns:r="http://schemas.openxmlformats.org/officeDocument/2006/relationships" xmlns:p="http://schemas.openxmlformats.org/presentationml/2006/main">
+  <p:cSld>
+    <p:spTree>
+      <p:nvGrpSpPr>
+        <p:cNvPr id="1" name=""/>
+        <p:cNvGrpSpPr/>
+        <p:nvPr/>
+      </p:nvGrpSpPr>
+      <p:grpSpPr>
+        <a:xfrm>
+          <a:off x="0" y="0"/>
+          <a:ext cx="0" cy="0"/>
+          <a:chOff x="0" y="0"/>
+          <a:chExt cx="0" cy="0"/>
+        </a:xfrm>
+      </p:grpSpPr>
+      <p:sp>
+        <p:nvSpPr>
+          <p:cNvPr id="2" name="Title 1"/>
+          <p:cNvSpPr>
+            <a:spLocks noGrp="1"/>
+          </p:cNvSpPr>
+          <p:nvPr>
+            <p:ph type="title"/>
+          </p:nvPr>
+        </p:nvSpPr>
+        <p:spPr/>
+        <p:txBody>
+          <a:bodyPr/>
+          <a:lstStyle/>
+          <a:p>
+            <a:r>
+              <a:rPr lang="en-US" dirty="0" err="1" smtClean="0"/>
+              <a:t>Màn</a:t>
+            </a:r>
+            <a:r>
+              <a:rPr lang="en-US" dirty="0" smtClean="0"/>
+              <a:t> </a:t>
+            </a:r>
+            <a:r>
+              <a:rPr lang="en-US" dirty="0" err="1" smtClean="0"/>
+              <a:t>quản</a:t>
+            </a:r>
+            <a:r>
+              <a:rPr lang="en-US" dirty="0" smtClean="0"/>
+              <a:t> </a:t>
+            </a:r>
+            <a:r>
+              <a:rPr lang="en-US" dirty="0" err="1" smtClean="0"/>
+              <a:t>lý</a:t>
+            </a:r>
+            <a:r>
+              <a:rPr lang="en-US" dirty="0" smtClean="0"/>
+              <a:t> </a:t>
+            </a:r>
+            <a:r>
+              <a:rPr lang="en-US" dirty="0" err="1" smtClean="0"/>
+              <a:t>phòng</a:t>
+            </a:r>
+            <a:r>
+              <a:rPr lang="en-US" dirty="0" smtClean="0"/>
+              <a:t> ban</a:t>
+            </a:r>
+            <a:endParaRPr lang="en-US" dirty="0"/>
+          </a:p>
+        </p:txBody>
+      </p:sp>
+      <p:pic>
+        <p:nvPicPr>
+          <p:cNvPr id="4" name="Content Placeholder 3"/>
+          <p:cNvPicPr>
+            <a:picLocks noGrp="1" noChangeAspect="1"/>
+          </p:cNvPicPr>
+          <p:nvPr>
+            <p:ph idx="1"/>
+          </p:nvPr>
+        </p:nvPicPr>
+        <p:blipFill>
+          <a:blip r:embed="rId2"/>
+          <a:stretch>
+            <a:fillRect/>
+          </a:stretch>
+        </p:blipFill>
+        <p:spPr>
+          <a:xfrm>
+            <a:off x="1633089" y="1825625"/>
+            <a:ext cx="8925821" cy="4351338"/>
+          </a:xfrm>
+          <a:prstGeom prst="rect">
+            <a:avLst/>
+          </a:prstGeom>
+        </p:spPr>
+      </p:pic>
+    </p:spTree>
+    <p:extLst>
+      <p:ext uri="{BB962C8B-B14F-4D97-AF65-F5344CB8AC3E}">
+        <p14:creationId xmlns:p14="http://schemas.microsoft.com/office/powerpoint/2010/main" val="2021675801"/>
       </p:ext>
     </p:extLst>
   </p:cSld>
